--- a/assets/rstudio_conf_2020/ArXiv/fig_process.pptx
+++ b/assets/rstudio_conf_2020/ArXiv/fig_process.pptx
@@ -107,6 +107,11 @@
       </a:defRPr>
     </a:lvl9pPr>
   </p:defaultTextStyle>
+  <p:extLst>
+    <p:ext uri="{EFAFB233-063F-42B5-8137-9DF3F51BA10A}">
+      <p15:sldGuideLst xmlns:p15="http://schemas.microsoft.com/office/powerpoint/2012/main"/>
+    </p:ext>
+  </p:extLst>
 </p:presentation>
 </file>
 
@@ -192,7 +197,7 @@
           <a:p>
             <a:fld id="{6CF1DFAB-DD26-7046-AF2F-16C907D7C41A}" type="datetimeFigureOut">
               <a:rPr lang="en-US" smtClean="0"/>
-              <a:t>9/14/19</a:t>
+              <a:t>12/13/19</a:t>
             </a:fld>
             <a:endParaRPr lang="en-US"/>
           </a:p>
@@ -674,7 +679,7 @@
           <a:p>
             <a:fld id="{A52670F9-E80F-BA45-9EE4-198DACE75DC6}" type="datetimeFigureOut">
               <a:rPr lang="en-US" smtClean="0"/>
-              <a:t>9/14/19</a:t>
+              <a:t>12/13/19</a:t>
             </a:fld>
             <a:endParaRPr lang="en-US"/>
           </a:p>
@@ -844,7 +849,7 @@
           <a:p>
             <a:fld id="{A52670F9-E80F-BA45-9EE4-198DACE75DC6}" type="datetimeFigureOut">
               <a:rPr lang="en-US" smtClean="0"/>
-              <a:t>9/14/19</a:t>
+              <a:t>12/13/19</a:t>
             </a:fld>
             <a:endParaRPr lang="en-US"/>
           </a:p>
@@ -1024,7 +1029,7 @@
           <a:p>
             <a:fld id="{A52670F9-E80F-BA45-9EE4-198DACE75DC6}" type="datetimeFigureOut">
               <a:rPr lang="en-US" smtClean="0"/>
-              <a:t>9/14/19</a:t>
+              <a:t>12/13/19</a:t>
             </a:fld>
             <a:endParaRPr lang="en-US"/>
           </a:p>
@@ -1194,7 +1199,7 @@
           <a:p>
             <a:fld id="{A52670F9-E80F-BA45-9EE4-198DACE75DC6}" type="datetimeFigureOut">
               <a:rPr lang="en-US" smtClean="0"/>
-              <a:t>9/14/19</a:t>
+              <a:t>12/13/19</a:t>
             </a:fld>
             <a:endParaRPr lang="en-US"/>
           </a:p>
@@ -1440,7 +1445,7 @@
           <a:p>
             <a:fld id="{A52670F9-E80F-BA45-9EE4-198DACE75DC6}" type="datetimeFigureOut">
               <a:rPr lang="en-US" smtClean="0"/>
-              <a:t>9/14/19</a:t>
+              <a:t>12/13/19</a:t>
             </a:fld>
             <a:endParaRPr lang="en-US"/>
           </a:p>
@@ -1672,7 +1677,7 @@
           <a:p>
             <a:fld id="{A52670F9-E80F-BA45-9EE4-198DACE75DC6}" type="datetimeFigureOut">
               <a:rPr lang="en-US" smtClean="0"/>
-              <a:t>9/14/19</a:t>
+              <a:t>12/13/19</a:t>
             </a:fld>
             <a:endParaRPr lang="en-US"/>
           </a:p>
@@ -2039,7 +2044,7 @@
           <a:p>
             <a:fld id="{A52670F9-E80F-BA45-9EE4-198DACE75DC6}" type="datetimeFigureOut">
               <a:rPr lang="en-US" smtClean="0"/>
-              <a:t>9/14/19</a:t>
+              <a:t>12/13/19</a:t>
             </a:fld>
             <a:endParaRPr lang="en-US"/>
           </a:p>
@@ -2157,7 +2162,7 @@
           <a:p>
             <a:fld id="{A52670F9-E80F-BA45-9EE4-198DACE75DC6}" type="datetimeFigureOut">
               <a:rPr lang="en-US" smtClean="0"/>
-              <a:t>9/14/19</a:t>
+              <a:t>12/13/19</a:t>
             </a:fld>
             <a:endParaRPr lang="en-US"/>
           </a:p>
@@ -2252,7 +2257,7 @@
           <a:p>
             <a:fld id="{A52670F9-E80F-BA45-9EE4-198DACE75DC6}" type="datetimeFigureOut">
               <a:rPr lang="en-US" smtClean="0"/>
-              <a:t>9/14/19</a:t>
+              <a:t>12/13/19</a:t>
             </a:fld>
             <a:endParaRPr lang="en-US"/>
           </a:p>
@@ -2529,7 +2534,7 @@
           <a:p>
             <a:fld id="{A52670F9-E80F-BA45-9EE4-198DACE75DC6}" type="datetimeFigureOut">
               <a:rPr lang="en-US" smtClean="0"/>
-              <a:t>9/14/19</a:t>
+              <a:t>12/13/19</a:t>
             </a:fld>
             <a:endParaRPr lang="en-US"/>
           </a:p>
@@ -2786,7 +2791,7 @@
           <a:p>
             <a:fld id="{A52670F9-E80F-BA45-9EE4-198DACE75DC6}" type="datetimeFigureOut">
               <a:rPr lang="en-US" smtClean="0"/>
-              <a:t>9/14/19</a:t>
+              <a:t>12/13/19</a:t>
             </a:fld>
             <a:endParaRPr lang="en-US"/>
           </a:p>
@@ -2999,7 +3004,7 @@
           <a:p>
             <a:fld id="{A52670F9-E80F-BA45-9EE4-198DACE75DC6}" type="datetimeFigureOut">
               <a:rPr lang="en-US" smtClean="0"/>
-              <a:t>9/14/19</a:t>
+              <a:t>12/13/19</a:t>
             </a:fld>
             <a:endParaRPr lang="en-US"/>
           </a:p>
@@ -3390,6 +3395,16 @@
 <file path=ppt/slides/slide1.xml><?xml version="1.0" encoding="utf-8"?>
 <p:sld xmlns:a="http://schemas.openxmlformats.org/drawingml/2006/main" xmlns:r="http://schemas.openxmlformats.org/officeDocument/2006/relationships" xmlns:p="http://schemas.openxmlformats.org/presentationml/2006/main">
   <p:cSld>
+    <p:bg>
+      <p:bgPr>
+        <a:solidFill>
+          <a:schemeClr val="bg1">
+            <a:alpha val="0"/>
+          </a:schemeClr>
+        </a:solidFill>
+        <a:effectLst/>
+      </p:bgPr>
+    </p:bg>
     <p:spTree>
       <p:nvGrpSpPr>
         <p:cNvPr id="1" name=""/>
